--- a/source/Overview/images_FrameworkStack/materialFrameworkStack.pptx
+++ b/source/Overview/images_FrameworkStack/materialFrameworkStack.pptx
@@ -221,7 +221,7 @@
           <a:p>
             <a:fld id="{3BB47352-BF5A-4CD2-B029-996118CD8E01}" type="datetimeFigureOut">
               <a:rPr kumimoji="1" lang="ja-JP" altLang="en-US" smtClean="0"/>
-              <a:t>2017/5/18</a:t>
+              <a:t>2017/12/6</a:t>
             </a:fld>
             <a:endParaRPr kumimoji="1" lang="ja-JP" altLang="en-US"/>
           </a:p>
@@ -969,7 +969,7 @@
           <a:p>
             <a:fld id="{7B9B12EC-6AA0-374B-A2D3-850081A07A26}" type="datetimeFigureOut">
               <a:rPr kumimoji="1" lang="ja-JP" altLang="en-US" smtClean="0"/>
-              <a:t>2017/5/18</a:t>
+              <a:t>2017/12/6</a:t>
             </a:fld>
             <a:endParaRPr kumimoji="1" lang="ja-JP" altLang="en-US"/>
           </a:p>
@@ -1171,7 +1171,7 @@
           <a:p>
             <a:fld id="{7B9B12EC-6AA0-374B-A2D3-850081A07A26}" type="datetimeFigureOut">
               <a:rPr kumimoji="1" lang="ja-JP" altLang="en-US" smtClean="0"/>
-              <a:t>2017/5/18</a:t>
+              <a:t>2017/12/6</a:t>
             </a:fld>
             <a:endParaRPr kumimoji="1" lang="ja-JP" altLang="en-US"/>
           </a:p>
@@ -1383,7 +1383,7 @@
           <a:p>
             <a:fld id="{7B9B12EC-6AA0-374B-A2D3-850081A07A26}" type="datetimeFigureOut">
               <a:rPr kumimoji="1" lang="ja-JP" altLang="en-US" smtClean="0"/>
-              <a:t>2017/5/18</a:t>
+              <a:t>2017/12/6</a:t>
             </a:fld>
             <a:endParaRPr kumimoji="1" lang="ja-JP" altLang="en-US"/>
           </a:p>
@@ -1585,7 +1585,7 @@
           <a:p>
             <a:fld id="{7B9B12EC-6AA0-374B-A2D3-850081A07A26}" type="datetimeFigureOut">
               <a:rPr kumimoji="1" lang="ja-JP" altLang="en-US" smtClean="0"/>
-              <a:t>2017/5/18</a:t>
+              <a:t>2017/12/6</a:t>
             </a:fld>
             <a:endParaRPr kumimoji="1" lang="ja-JP" altLang="en-US"/>
           </a:p>
@@ -1831,7 +1831,7 @@
           <a:p>
             <a:fld id="{7B9B12EC-6AA0-374B-A2D3-850081A07A26}" type="datetimeFigureOut">
               <a:rPr kumimoji="1" lang="ja-JP" altLang="en-US" smtClean="0"/>
-              <a:t>2017/5/18</a:t>
+              <a:t>2017/12/6</a:t>
             </a:fld>
             <a:endParaRPr kumimoji="1" lang="ja-JP" altLang="en-US"/>
           </a:p>
@@ -2183,7 +2183,7 @@
           <a:p>
             <a:fld id="{7B9B12EC-6AA0-374B-A2D3-850081A07A26}" type="datetimeFigureOut">
               <a:rPr kumimoji="1" lang="ja-JP" altLang="en-US" smtClean="0"/>
-              <a:t>2017/5/18</a:t>
+              <a:t>2017/12/6</a:t>
             </a:fld>
             <a:endParaRPr kumimoji="1" lang="ja-JP" altLang="en-US"/>
           </a:p>
@@ -2669,7 +2669,7 @@
           <a:p>
             <a:fld id="{7B9B12EC-6AA0-374B-A2D3-850081A07A26}" type="datetimeFigureOut">
               <a:rPr kumimoji="1" lang="ja-JP" altLang="en-US" smtClean="0"/>
-              <a:t>2017/5/18</a:t>
+              <a:t>2017/12/6</a:t>
             </a:fld>
             <a:endParaRPr kumimoji="1" lang="ja-JP" altLang="en-US"/>
           </a:p>
@@ -2787,7 +2787,7 @@
           <a:p>
             <a:fld id="{7B9B12EC-6AA0-374B-A2D3-850081A07A26}" type="datetimeFigureOut">
               <a:rPr kumimoji="1" lang="ja-JP" altLang="en-US" smtClean="0"/>
-              <a:t>2017/5/18</a:t>
+              <a:t>2017/12/6</a:t>
             </a:fld>
             <a:endParaRPr kumimoji="1" lang="ja-JP" altLang="en-US"/>
           </a:p>
@@ -2882,7 +2882,7 @@
           <a:p>
             <a:fld id="{7B9B12EC-6AA0-374B-A2D3-850081A07A26}" type="datetimeFigureOut">
               <a:rPr kumimoji="1" lang="ja-JP" altLang="en-US" smtClean="0"/>
-              <a:t>2017/5/18</a:t>
+              <a:t>2017/12/6</a:t>
             </a:fld>
             <a:endParaRPr kumimoji="1" lang="ja-JP" altLang="en-US"/>
           </a:p>
@@ -3191,7 +3191,7 @@
           <a:p>
             <a:fld id="{7B9B12EC-6AA0-374B-A2D3-850081A07A26}" type="datetimeFigureOut">
               <a:rPr kumimoji="1" lang="ja-JP" altLang="en-US" smtClean="0"/>
-              <a:t>2017/5/18</a:t>
+              <a:t>2017/12/6</a:t>
             </a:fld>
             <a:endParaRPr kumimoji="1" lang="ja-JP" altLang="en-US"/>
           </a:p>
@@ -3444,7 +3444,7 @@
           <a:p>
             <a:fld id="{7B9B12EC-6AA0-374B-A2D3-850081A07A26}" type="datetimeFigureOut">
               <a:rPr kumimoji="1" lang="ja-JP" altLang="en-US" smtClean="0"/>
-              <a:t>2017/5/18</a:t>
+              <a:t>2017/12/6</a:t>
             </a:fld>
             <a:endParaRPr kumimoji="1" lang="ja-JP" altLang="en-US"/>
           </a:p>
@@ -3689,7 +3689,7 @@
           <a:p>
             <a:fld id="{7B9B12EC-6AA0-374B-A2D3-850081A07A26}" type="datetimeFigureOut">
               <a:rPr kumimoji="1" lang="ja-JP" altLang="en-US" smtClean="0"/>
-              <a:t>2017/5/18</a:t>
+              <a:t>2017/12/6</a:t>
             </a:fld>
             <a:endParaRPr kumimoji="1" lang="ja-JP" altLang="en-US"/>
           </a:p>
@@ -5281,10 +5281,10 @@
           <a:p>
             <a:pPr algn="ctr"/>
             <a:r>
-              <a:rPr lang="en-US" altLang="ja-JP" sz="1600" dirty="0"/>
-              <a:t>JSP/Tiles</a:t>
-            </a:r>
-            <a:endParaRPr lang="ja-JP" altLang="en-US" sz="1600" dirty="0"/>
+              <a:rPr lang="en-US" altLang="ja-JP" sz="1400" dirty="0" err="1" smtClean="0"/>
+              <a:t>Thymeleaf</a:t>
+            </a:r>
+            <a:endParaRPr lang="ja-JP" altLang="en-US" sz="1400" dirty="0"/>
           </a:p>
         </p:txBody>
       </p:sp>
